--- a/QingLong.pptx
+++ b/QingLong.pptx
@@ -6730,7 +6730,7 @@
                 </a:solidFill>
                 <a:latin typeface="Andy" pitchFamily="66" charset="0"/>
               </a:rPr>
-              <a:t>solution</a:t>
+              <a:t>Interact</a:t>
             </a:r>
             <a:endParaRPr lang="en-US" sz="5400" b="1" dirty="0">
               <a:solidFill>
